--- a/Arcane Adventure - Mid Project Review.pptx
+++ b/Arcane Adventure - Mid Project Review.pptx
@@ -1,6 +1,6 @@
 
 <file path=ppt/presentation.xml><?xml version="1.0" encoding="utf-8"?>
-<p:presentation xmlns:a="http://schemas.openxmlformats.org/drawingml/2006/main" xmlns:r="http://schemas.openxmlformats.org/officeDocument/2006/relationships" xmlns:p="http://schemas.openxmlformats.org/presentationml/2006/main" autoCompressPictures="0">
+<p:presentation xmlns:a="http://schemas.openxmlformats.org/drawingml/2006/main" xmlns:r="http://schemas.openxmlformats.org/officeDocument/2006/relationships" xmlns:p="http://schemas.openxmlformats.org/presentationml/2006/main" saveSubsetFonts="1" autoCompressPictures="0">
   <p:sldMasterIdLst>
     <p:sldMasterId id="2147483648" r:id="rId1"/>
   </p:sldMasterIdLst>
@@ -113,6 +113,11 @@
       </a:defRPr>
     </a:lvl9pPr>
   </p:defaultTextStyle>
+  <p:extLst>
+    <p:ext uri="{EFAFB233-063F-42B5-8137-9DF3F51BA10A}">
+      <p15:sldGuideLst xmlns:p15="http://schemas.microsoft.com/office/powerpoint/2012/main"/>
+    </p:ext>
+  </p:extLst>
 </p:presentation>
 </file>
 
@@ -452,7 +457,7 @@
             <a:fld id="{5923F103-BC34-4FE4-A40E-EDDEECFDA5D0}" type="datetimeFigureOut">
               <a:rPr lang="en-US" dirty="0"/>
               <a:pPr/>
-              <a:t>4/4/2017</a:t>
+              <a:t>4/5/17</a:t>
             </a:fld>
             <a:endParaRPr lang="en-US" dirty="0"/>
           </a:p>
@@ -1540,7 +1545,7 @@
           <a:p>
             <a:fld id="{923A1CC3-2375-41D4-9E03-427CAF2A4C1A}" type="datetimeFigureOut">
               <a:rPr lang="en-US" dirty="0"/>
-              <a:t>4/4/2017</a:t>
+              <a:t>4/5/17</a:t>
             </a:fld>
             <a:endParaRPr lang="en-US" dirty="0"/>
           </a:p>
@@ -2520,7 +2525,7 @@
           <a:p>
             <a:fld id="{AFF16868-8199-4C2C-A5B1-63AEE139F88E}" type="datetimeFigureOut">
               <a:rPr lang="en-US" dirty="0"/>
-              <a:t>4/4/2017</a:t>
+              <a:t>4/5/17</a:t>
             </a:fld>
             <a:endParaRPr lang="en-US" dirty="0"/>
           </a:p>
@@ -3654,7 +3659,7 @@
           <a:p>
             <a:fld id="{AAD9FF7F-6988-44CC-821B-644E70CD2F73}" type="datetimeFigureOut">
               <a:rPr lang="en-US" dirty="0"/>
-              <a:t>4/4/2017</a:t>
+              <a:t>4/5/17</a:t>
             </a:fld>
             <a:endParaRPr lang="en-US" dirty="0"/>
           </a:p>
@@ -4687,7 +4692,7 @@
           <a:p>
             <a:fld id="{5C12C299-16B2-4475-990D-751901EACC14}" type="datetimeFigureOut">
               <a:rPr lang="en-US" dirty="0"/>
-              <a:t>4/4/2017</a:t>
+              <a:t>4/5/17</a:t>
             </a:fld>
             <a:endParaRPr lang="en-US" dirty="0"/>
           </a:p>
@@ -5347,7 +5352,7 @@
           <a:p>
             <a:fld id="{9FE86839-B9D8-4651-8783-F325ECE74E65}" type="datetimeFigureOut">
               <a:rPr lang="en-US" dirty="0"/>
-              <a:t>4/4/2017</a:t>
+              <a:t>4/5/17</a:t>
             </a:fld>
             <a:endParaRPr lang="en-US" dirty="0"/>
           </a:p>
@@ -6208,7 +6213,7 @@
           <a:p>
             <a:fld id="{FD484F64-32F6-45C5-931F-ADC1662401D0}" type="datetimeFigureOut">
               <a:rPr lang="en-US" dirty="0"/>
-              <a:t>4/4/2017</a:t>
+              <a:t>4/5/17</a:t>
             </a:fld>
             <a:endParaRPr lang="en-US" dirty="0"/>
           </a:p>
@@ -6398,7 +6403,7 @@
           <a:p>
             <a:fld id="{53086D93-FCAC-47E0-A2EE-787E62CA814C}" type="datetimeFigureOut">
               <a:rPr lang="en-US" dirty="0"/>
-              <a:t>4/4/2017</a:t>
+              <a:t>4/5/17</a:t>
             </a:fld>
             <a:endParaRPr lang="en-US" dirty="0"/>
           </a:p>
@@ -7370,7 +7375,7 @@
           <a:p>
             <a:fld id="{CDA879A6-0FD0-4734-A311-86BFCA472E6E}" type="datetimeFigureOut">
               <a:rPr lang="en-US" dirty="0"/>
-              <a:t>4/4/2017</a:t>
+              <a:t>4/5/17</a:t>
             </a:fld>
             <a:endParaRPr lang="en-US" dirty="0"/>
           </a:p>
@@ -7581,7 +7586,7 @@
           <a:p>
             <a:fld id="{19C9CA7B-DFD4-44B5-8C60-D14B8CD1FB59}" type="datetimeFigureOut">
               <a:rPr lang="en-US" dirty="0"/>
-              <a:t>4/4/2017</a:t>
+              <a:t>4/5/17</a:t>
             </a:fld>
             <a:endParaRPr lang="en-US" dirty="0"/>
           </a:p>
@@ -8615,7 +8620,7 @@
           <a:p>
             <a:fld id="{F34E6425-0181-43F2-84FC-787E803FD2F8}" type="datetimeFigureOut">
               <a:rPr lang="en-US" dirty="0"/>
-              <a:t>4/4/2017</a:t>
+              <a:t>4/5/17</a:t>
             </a:fld>
             <a:endParaRPr lang="en-US" dirty="0"/>
           </a:p>
@@ -8887,7 +8892,7 @@
           <a:p>
             <a:fld id="{3BDB8791-F1B0-41E7-B7FD-A781E65C4266}" type="datetimeFigureOut">
               <a:rPr lang="en-US" dirty="0"/>
-              <a:t>4/4/2017</a:t>
+              <a:t>4/5/17</a:t>
             </a:fld>
             <a:endParaRPr lang="en-US" dirty="0"/>
           </a:p>
@@ -9297,7 +9302,7 @@
           <a:p>
             <a:fld id="{5FDD63B2-E120-4ED8-B27B-C685F510A5FE}" type="datetimeFigureOut">
               <a:rPr lang="en-US" dirty="0"/>
-              <a:t>4/4/2017</a:t>
+              <a:t>4/5/17</a:t>
             </a:fld>
             <a:endParaRPr lang="en-US" dirty="0"/>
           </a:p>
@@ -9424,7 +9429,7 @@
           <a:p>
             <a:fld id="{7AA18ACC-A947-437B-A130-35BD54FDF1E9}" type="datetimeFigureOut">
               <a:rPr lang="en-US" dirty="0"/>
-              <a:t>4/4/2017</a:t>
+              <a:t>4/5/17</a:t>
             </a:fld>
             <a:endParaRPr lang="en-US" dirty="0"/>
           </a:p>
@@ -9519,7 +9524,7 @@
           <a:p>
             <a:fld id="{7C8D7E02-BCB8-4D50-A234-369438C08659}" type="datetimeFigureOut">
               <a:rPr lang="en-US" dirty="0"/>
-              <a:t>4/4/2017</a:t>
+              <a:t>4/5/17</a:t>
             </a:fld>
             <a:endParaRPr lang="en-US" dirty="0"/>
           </a:p>
@@ -10600,7 +10605,7 @@
           <a:p>
             <a:fld id="{76E86A4C-8E40-4F87-A4F0-01A0687C5742}" type="datetimeFigureOut">
               <a:rPr lang="en-US" dirty="0"/>
-              <a:t>4/4/2017</a:t>
+              <a:t>4/5/17</a:t>
             </a:fld>
             <a:endParaRPr lang="en-US" dirty="0"/>
           </a:p>
@@ -11708,7 +11713,7 @@
           <a:p>
             <a:fld id="{35E72C73-2D91-4E12-BA25-F0AA0C03599B}" type="datetimeFigureOut">
               <a:rPr lang="en-US" dirty="0"/>
-              <a:t>4/4/2017</a:t>
+              <a:t>4/5/17</a:t>
             </a:fld>
             <a:endParaRPr lang="en-US" dirty="0"/>
           </a:p>
@@ -12705,7 +12710,7 @@
           <a:p>
             <a:fld id="{2BE451C3-0FF4-47C4-B829-773ADF60F88C}" type="datetimeFigureOut">
               <a:rPr lang="en-US" dirty="0"/>
-              <a:t>4/4/2017</a:t>
+              <a:t>4/5/17</a:t>
             </a:fld>
             <a:endParaRPr lang="en-US" dirty="0"/>
           </a:p>
@@ -13841,26 +13846,62 @@
           <a:p>
             <a:pPr lvl="1"/>
             <a:r>
-              <a:rPr lang="en-US" dirty="0"/>
-              <a:t>Jungle</a:t>
-            </a:r>
+              <a:rPr lang="en-US" dirty="0" smtClean="0"/>
+              <a:t>Enchanted Forest</a:t>
+            </a:r>
+            <a:endParaRPr lang="en-US" dirty="0"/>
           </a:p>
           <a:p>
             <a:pPr lvl="1"/>
             <a:r>
-              <a:rPr lang="en-US" dirty="0"/>
-              <a:t>??</a:t>
+              <a:rPr lang="en-US" dirty="0" smtClean="0"/>
+              <a:t>Cave</a:t>
             </a:r>
           </a:p>
           <a:p>
             <a:pPr lvl="1"/>
             <a:r>
-              <a:rPr lang="en-US" dirty="0"/>
-              <a:t>??</a:t>
-            </a:r>
+              <a:rPr lang="en-US" dirty="0" smtClean="0"/>
+              <a:t>Village</a:t>
+            </a:r>
+            <a:endParaRPr lang="en-US" dirty="0"/>
+          </a:p>
+          <a:p>
+            <a:pPr lvl="1"/>
+            <a:endParaRPr lang="en-US" dirty="0"/>
           </a:p>
         </p:txBody>
       </p:sp>
+      <p:pic>
+        <p:nvPicPr>
+          <p:cNvPr id="4" name="Picture 3"/>
+          <p:cNvPicPr>
+            <a:picLocks noChangeAspect="1"/>
+          </p:cNvPicPr>
+          <p:nvPr/>
+        </p:nvPicPr>
+        <p:blipFill>
+          <a:blip r:embed="rId2">
+            <a:extLst>
+              <a:ext uri="{28A0092B-C50C-407E-A947-70E740481C1C}">
+                <a14:useLocalDpi xmlns:a14="http://schemas.microsoft.com/office/drawing/2010/main" val="0"/>
+              </a:ext>
+            </a:extLst>
+          </a:blip>
+          <a:stretch>
+            <a:fillRect/>
+          </a:stretch>
+        </p:blipFill>
+        <p:spPr>
+          <a:xfrm>
+            <a:off x="4540022" y="2407920"/>
+            <a:ext cx="7329398" cy="4079428"/>
+          </a:xfrm>
+          <a:prstGeom prst="rect">
+            <a:avLst/>
+          </a:prstGeom>
+        </p:spPr>
+      </p:pic>
     </p:spTree>
     <p:extLst>
       <p:ext uri="{BB962C8B-B14F-4D97-AF65-F5344CB8AC3E}">
@@ -13923,7 +13964,12 @@
             <p:ph idx="1"/>
           </p:nvPr>
         </p:nvSpPr>
-        <p:spPr/>
+        <p:spPr>
+          <a:xfrm>
+            <a:off x="5716106" y="4822192"/>
+            <a:ext cx="8825659" cy="3416300"/>
+          </a:xfrm>
+        </p:spPr>
         <p:txBody>
           <a:bodyPr/>
           <a:lstStyle/>
@@ -13937,30 +13983,454 @@
             <a:pPr lvl="1"/>
             <a:r>
               <a:rPr lang="en-US" dirty="0"/>
-              <a:t>Foot Soldier</a:t>
-            </a:r>
+              <a:t>Foot </a:t>
+            </a:r>
+            <a:r>
+              <a:rPr lang="en-US" dirty="0" smtClean="0"/>
+              <a:t>Ninja</a:t>
+            </a:r>
+            <a:endParaRPr lang="en-US" dirty="0"/>
           </a:p>
           <a:p>
             <a:pPr lvl="1"/>
             <a:r>
-              <a:rPr lang="en-US" dirty="0"/>
-              <a:t>Shield-Bearer</a:t>
-            </a:r>
+              <a:rPr lang="en-US" dirty="0" smtClean="0"/>
+              <a:t>Larger Ninja</a:t>
+            </a:r>
+            <a:endParaRPr lang="en-US" dirty="0"/>
           </a:p>
           <a:p>
             <a:pPr lvl="1"/>
             <a:r>
-              <a:rPr lang="en-US" dirty="0"/>
-              <a:t>Dark </a:t>
-            </a:r>
-            <a:r>
-              <a:rPr lang="en-US" dirty="0" err="1"/>
-              <a:t>Arcanist</a:t>
-            </a:r>
-            <a:r>
-              <a:rPr lang="en-US" dirty="0"/>
-              <a:t> </a:t>
-            </a:r>
+              <a:rPr lang="en-US" dirty="0" smtClean="0"/>
+              <a:t>Evil Villain</a:t>
+            </a:r>
+            <a:endParaRPr lang="en-US" dirty="0"/>
+          </a:p>
+        </p:txBody>
+      </p:sp>
+      <p:pic>
+        <p:nvPicPr>
+          <p:cNvPr id="4" name="Picture 3"/>
+          <p:cNvPicPr>
+            <a:picLocks noChangeAspect="1"/>
+          </p:cNvPicPr>
+          <p:nvPr/>
+        </p:nvPicPr>
+        <p:blipFill>
+          <a:blip r:embed="rId2">
+            <a:extLst>
+              <a:ext uri="{28A0092B-C50C-407E-A947-70E740481C1C}">
+                <a14:useLocalDpi xmlns:a14="http://schemas.microsoft.com/office/drawing/2010/main" val="0"/>
+              </a:ext>
+            </a:extLst>
+          </a:blip>
+          <a:stretch>
+            <a:fillRect/>
+          </a:stretch>
+        </p:blipFill>
+        <p:spPr>
+          <a:xfrm>
+            <a:off x="1154954" y="2585296"/>
+            <a:ext cx="3664599" cy="3808308"/>
+          </a:xfrm>
+          <a:prstGeom prst="rect">
+            <a:avLst/>
+          </a:prstGeom>
+        </p:spPr>
+      </p:pic>
+      <p:sp>
+        <p:nvSpPr>
+          <p:cNvPr id="5" name="Content Placeholder 2"/>
+          <p:cNvSpPr txBox="1">
+            <a:spLocks/>
+          </p:cNvSpPr>
+          <p:nvPr/>
+        </p:nvSpPr>
+        <p:spPr>
+          <a:xfrm>
+            <a:off x="418249" y="2495550"/>
+            <a:ext cx="8825659" cy="3416300"/>
+          </a:xfrm>
+          <a:prstGeom prst="rect">
+            <a:avLst/>
+          </a:prstGeom>
+        </p:spPr>
+        <p:txBody>
+          <a:bodyPr vert="horz" lIns="91440" tIns="45720" rIns="91440" bIns="45720" rtlCol="0">
+            <a:normAutofit/>
+          </a:bodyPr>
+          <a:lstStyle>
+            <a:lvl1pPr marL="342900" indent="-342900" algn="l" defTabSz="457200" rtl="0" eaLnBrk="1" latinLnBrk="0" hangingPunct="1">
+              <a:spcBef>
+                <a:spcPts val="1000"/>
+              </a:spcBef>
+              <a:spcAft>
+                <a:spcPts val="0"/>
+              </a:spcAft>
+              <a:buClr>
+                <a:schemeClr val="accent1"/>
+              </a:buClr>
+              <a:buSzPct val="80000"/>
+              <a:buFont typeface="Wingdings 3" charset="2"/>
+              <a:buChar char=""/>
+              <a:defRPr sz="1800" b="0" i="0" kern="1200">
+                <a:solidFill>
+                  <a:schemeClr val="tx1">
+                    <a:lumMod val="75000"/>
+                    <a:lumOff val="25000"/>
+                  </a:schemeClr>
+                </a:solidFill>
+                <a:latin typeface="+mn-lt"/>
+                <a:ea typeface="+mn-ea"/>
+                <a:cs typeface="+mn-cs"/>
+              </a:defRPr>
+            </a:lvl1pPr>
+            <a:lvl2pPr marL="742950" indent="-285750" algn="l" defTabSz="457200" rtl="0" eaLnBrk="1" latinLnBrk="0" hangingPunct="1">
+              <a:spcBef>
+                <a:spcPts val="1000"/>
+              </a:spcBef>
+              <a:spcAft>
+                <a:spcPts val="0"/>
+              </a:spcAft>
+              <a:buClr>
+                <a:schemeClr val="accent1"/>
+              </a:buClr>
+              <a:buSzPct val="80000"/>
+              <a:buFont typeface="Wingdings 3" charset="2"/>
+              <a:buChar char=""/>
+              <a:defRPr sz="1600" b="0" i="0" kern="1200">
+                <a:solidFill>
+                  <a:schemeClr val="tx1">
+                    <a:lumMod val="75000"/>
+                    <a:lumOff val="25000"/>
+                  </a:schemeClr>
+                </a:solidFill>
+                <a:latin typeface="+mn-lt"/>
+                <a:ea typeface="+mn-ea"/>
+                <a:cs typeface="+mn-cs"/>
+              </a:defRPr>
+            </a:lvl2pPr>
+            <a:lvl3pPr marL="1143000" indent="-228600" algn="l" defTabSz="457200" rtl="0" eaLnBrk="1" latinLnBrk="0" hangingPunct="1">
+              <a:spcBef>
+                <a:spcPts val="1000"/>
+              </a:spcBef>
+              <a:spcAft>
+                <a:spcPts val="0"/>
+              </a:spcAft>
+              <a:buClr>
+                <a:schemeClr val="accent1"/>
+              </a:buClr>
+              <a:buSzPct val="80000"/>
+              <a:buFont typeface="Wingdings 3" charset="2"/>
+              <a:buChar char=""/>
+              <a:defRPr sz="1400" b="0" i="0" kern="1200">
+                <a:solidFill>
+                  <a:schemeClr val="tx1">
+                    <a:lumMod val="75000"/>
+                    <a:lumOff val="25000"/>
+                  </a:schemeClr>
+                </a:solidFill>
+                <a:latin typeface="+mn-lt"/>
+                <a:ea typeface="+mn-ea"/>
+                <a:cs typeface="+mn-cs"/>
+              </a:defRPr>
+            </a:lvl3pPr>
+            <a:lvl4pPr marL="1600200" indent="-228600" algn="l" defTabSz="457200" rtl="0" eaLnBrk="1" latinLnBrk="0" hangingPunct="1">
+              <a:spcBef>
+                <a:spcPts val="1000"/>
+              </a:spcBef>
+              <a:spcAft>
+                <a:spcPts val="0"/>
+              </a:spcAft>
+              <a:buClr>
+                <a:schemeClr val="accent1"/>
+              </a:buClr>
+              <a:buSzPct val="80000"/>
+              <a:buFont typeface="Wingdings 3" charset="2"/>
+              <a:buChar char=""/>
+              <a:defRPr sz="1200" b="0" i="0" kern="1200">
+                <a:solidFill>
+                  <a:schemeClr val="tx1">
+                    <a:lumMod val="75000"/>
+                    <a:lumOff val="25000"/>
+                  </a:schemeClr>
+                </a:solidFill>
+                <a:latin typeface="+mn-lt"/>
+                <a:ea typeface="+mn-ea"/>
+                <a:cs typeface="+mn-cs"/>
+              </a:defRPr>
+            </a:lvl4pPr>
+            <a:lvl5pPr marL="2057400" indent="-228600" algn="l" defTabSz="457200" rtl="0" eaLnBrk="1" latinLnBrk="0" hangingPunct="1">
+              <a:spcBef>
+                <a:spcPts val="1000"/>
+              </a:spcBef>
+              <a:spcAft>
+                <a:spcPts val="0"/>
+              </a:spcAft>
+              <a:buClr>
+                <a:schemeClr val="accent1"/>
+              </a:buClr>
+              <a:buSzPct val="80000"/>
+              <a:buFont typeface="Wingdings 3" charset="2"/>
+              <a:buChar char=""/>
+              <a:defRPr sz="1200" b="0" i="0" kern="1200">
+                <a:solidFill>
+                  <a:schemeClr val="tx1">
+                    <a:lumMod val="75000"/>
+                    <a:lumOff val="25000"/>
+                  </a:schemeClr>
+                </a:solidFill>
+                <a:latin typeface="+mn-lt"/>
+                <a:ea typeface="+mn-ea"/>
+                <a:cs typeface="+mn-cs"/>
+              </a:defRPr>
+            </a:lvl5pPr>
+            <a:lvl6pPr marL="2514600" indent="-228600" algn="l" defTabSz="457200" rtl="0" eaLnBrk="1" latinLnBrk="0" hangingPunct="1">
+              <a:spcBef>
+                <a:spcPts val="1000"/>
+              </a:spcBef>
+              <a:spcAft>
+                <a:spcPts val="0"/>
+              </a:spcAft>
+              <a:buClr>
+                <a:schemeClr val="accent1"/>
+              </a:buClr>
+              <a:buSzPct val="80000"/>
+              <a:buFont typeface="Wingdings 3" charset="2"/>
+              <a:buChar char=""/>
+              <a:defRPr sz="1200" b="0" i="0" kern="1200">
+                <a:solidFill>
+                  <a:schemeClr val="tx1">
+                    <a:lumMod val="75000"/>
+                    <a:lumOff val="25000"/>
+                  </a:schemeClr>
+                </a:solidFill>
+                <a:latin typeface="+mn-lt"/>
+                <a:ea typeface="+mn-ea"/>
+                <a:cs typeface="+mn-cs"/>
+              </a:defRPr>
+            </a:lvl6pPr>
+            <a:lvl7pPr marL="2971800" indent="-228600" algn="l" defTabSz="457200" rtl="0" eaLnBrk="1" latinLnBrk="0" hangingPunct="1">
+              <a:spcBef>
+                <a:spcPts val="1000"/>
+              </a:spcBef>
+              <a:spcAft>
+                <a:spcPts val="0"/>
+              </a:spcAft>
+              <a:buClr>
+                <a:schemeClr val="accent1"/>
+              </a:buClr>
+              <a:buSzPct val="80000"/>
+              <a:buFont typeface="Wingdings 3" charset="2"/>
+              <a:buChar char=""/>
+              <a:defRPr sz="1200" b="0" i="0" kern="1200">
+                <a:solidFill>
+                  <a:schemeClr val="tx1">
+                    <a:lumMod val="75000"/>
+                    <a:lumOff val="25000"/>
+                  </a:schemeClr>
+                </a:solidFill>
+                <a:latin typeface="+mn-lt"/>
+                <a:ea typeface="+mn-ea"/>
+                <a:cs typeface="+mn-cs"/>
+              </a:defRPr>
+            </a:lvl7pPr>
+            <a:lvl8pPr marL="3429000" indent="-228600" algn="l" defTabSz="457200" rtl="0" eaLnBrk="1" latinLnBrk="0" hangingPunct="1">
+              <a:spcBef>
+                <a:spcPts val="1000"/>
+              </a:spcBef>
+              <a:spcAft>
+                <a:spcPts val="0"/>
+              </a:spcAft>
+              <a:buClr>
+                <a:schemeClr val="accent1"/>
+              </a:buClr>
+              <a:buSzPct val="80000"/>
+              <a:buFont typeface="Wingdings 3" charset="2"/>
+              <a:buChar char=""/>
+              <a:defRPr sz="1200" b="0" i="0" kern="1200">
+                <a:solidFill>
+                  <a:schemeClr val="tx1">
+                    <a:lumMod val="75000"/>
+                    <a:lumOff val="25000"/>
+                  </a:schemeClr>
+                </a:solidFill>
+                <a:latin typeface="+mn-lt"/>
+                <a:ea typeface="+mn-ea"/>
+                <a:cs typeface="+mn-cs"/>
+              </a:defRPr>
+            </a:lvl8pPr>
+            <a:lvl9pPr marL="3886200" indent="-228600" algn="l" defTabSz="457200" rtl="0" eaLnBrk="1" latinLnBrk="0" hangingPunct="1">
+              <a:spcBef>
+                <a:spcPts val="1000"/>
+              </a:spcBef>
+              <a:spcAft>
+                <a:spcPts val="0"/>
+              </a:spcAft>
+              <a:buClr>
+                <a:schemeClr val="accent1"/>
+              </a:buClr>
+              <a:buSzPct val="80000"/>
+              <a:buFont typeface="Wingdings 3" charset="2"/>
+              <a:buChar char=""/>
+              <a:defRPr sz="1200" b="0" i="0" kern="1200">
+                <a:solidFill>
+                  <a:schemeClr val="tx1">
+                    <a:lumMod val="75000"/>
+                    <a:lumOff val="25000"/>
+                  </a:schemeClr>
+                </a:solidFill>
+                <a:latin typeface="+mn-lt"/>
+                <a:ea typeface="+mn-ea"/>
+                <a:cs typeface="+mn-cs"/>
+              </a:defRPr>
+            </a:lvl9pPr>
+          </a:lstStyle>
+          <a:p>
+            <a:r>
+              <a:rPr lang="en-US" dirty="0" smtClean="0"/>
+              <a:t>Main Character</a:t>
+            </a:r>
+          </a:p>
+          <a:p>
+            <a:pPr lvl="1"/>
+            <a:r>
+              <a:rPr lang="en-US" dirty="0" smtClean="0"/>
+              <a:t>Wizard</a:t>
+            </a:r>
+            <a:endParaRPr lang="en-US" dirty="0"/>
+          </a:p>
+        </p:txBody>
+      </p:sp>
+      <p:pic>
+        <p:nvPicPr>
+          <p:cNvPr id="6" name="Picture 5"/>
+          <p:cNvPicPr>
+            <a:picLocks noChangeAspect="1"/>
+          </p:cNvPicPr>
+          <p:nvPr/>
+        </p:nvPicPr>
+        <p:blipFill>
+          <a:blip r:embed="rId3">
+            <a:extLst>
+              <a:ext uri="{28A0092B-C50C-407E-A947-70E740481C1C}">
+                <a14:useLocalDpi xmlns:a14="http://schemas.microsoft.com/office/drawing/2010/main" val="0"/>
+              </a:ext>
+            </a:extLst>
+          </a:blip>
+          <a:stretch>
+            <a:fillRect/>
+          </a:stretch>
+        </p:blipFill>
+        <p:spPr>
+          <a:xfrm>
+            <a:off x="6589608" y="2495550"/>
+            <a:ext cx="2188632" cy="2188632"/>
+          </a:xfrm>
+          <a:prstGeom prst="rect">
+            <a:avLst/>
+          </a:prstGeom>
+        </p:spPr>
+      </p:pic>
+      <p:pic>
+        <p:nvPicPr>
+          <p:cNvPr id="7" name="Picture 6"/>
+          <p:cNvPicPr>
+            <a:picLocks noChangeAspect="1"/>
+          </p:cNvPicPr>
+          <p:nvPr/>
+        </p:nvPicPr>
+        <p:blipFill>
+          <a:blip r:embed="rId4">
+            <a:extLst>
+              <a:ext uri="{28A0092B-C50C-407E-A947-70E740481C1C}">
+                <a14:useLocalDpi xmlns:a14="http://schemas.microsoft.com/office/drawing/2010/main" val="0"/>
+              </a:ext>
+            </a:extLst>
+          </a:blip>
+          <a:stretch>
+            <a:fillRect/>
+          </a:stretch>
+        </p:blipFill>
+        <p:spPr>
+          <a:xfrm>
+            <a:off x="7963524" y="4480560"/>
+            <a:ext cx="2852928" cy="2377440"/>
+          </a:xfrm>
+          <a:prstGeom prst="rect">
+            <a:avLst/>
+          </a:prstGeom>
+        </p:spPr>
+      </p:pic>
+      <p:pic>
+        <p:nvPicPr>
+          <p:cNvPr id="8" name="Picture 7"/>
+          <p:cNvPicPr>
+            <a:picLocks noChangeAspect="1"/>
+          </p:cNvPicPr>
+          <p:nvPr/>
+        </p:nvPicPr>
+        <p:blipFill>
+          <a:blip r:embed="rId5">
+            <a:extLst>
+              <a:ext uri="{BEBA8EAE-BF5A-486C-A8C5-ECC9F3942E4B}">
+                <a14:imgProps xmlns:a14="http://schemas.microsoft.com/office/drawing/2010/main">
+                  <a14:imgLayer r:embed="rId6">
+                    <a14:imgEffect>
+                      <a14:backgroundRemoval t="9879" b="97747" l="10000" r="97609">
+                        <a14:foregroundMark x1="24565" y1="40468" x2="24565" y2="40468"/>
+                      </a14:backgroundRemoval>
+                    </a14:imgEffect>
+                  </a14:imgLayer>
+                </a14:imgProps>
+              </a:ext>
+              <a:ext uri="{28A0092B-C50C-407E-A947-70E740481C1C}">
+                <a14:useLocalDpi xmlns:a14="http://schemas.microsoft.com/office/drawing/2010/main" val="0"/>
+              </a:ext>
+            </a:extLst>
+          </a:blip>
+          <a:stretch>
+            <a:fillRect/>
+          </a:stretch>
+        </p:blipFill>
+        <p:spPr>
+          <a:xfrm flipH="1">
+            <a:off x="9942391" y="1855894"/>
+            <a:ext cx="2019386" cy="3162724"/>
+          </a:xfrm>
+          <a:prstGeom prst="rect">
+            <a:avLst/>
+          </a:prstGeom>
+        </p:spPr>
+      </p:pic>
+      <p:sp>
+        <p:nvSpPr>
+          <p:cNvPr id="9" name="TextBox 8"/>
+          <p:cNvSpPr txBox="1"/>
+          <p:nvPr/>
+        </p:nvSpPr>
+        <p:spPr>
+          <a:xfrm>
+            <a:off x="6748040" y="6393604"/>
+            <a:ext cx="2030199" cy="276999"/>
+          </a:xfrm>
+          <a:prstGeom prst="rect">
+            <a:avLst/>
+          </a:prstGeom>
+          <a:noFill/>
+        </p:spPr>
+        <p:txBody>
+          <a:bodyPr wrap="square" rtlCol="0">
+            <a:spAutoFit/>
+          </a:bodyPr>
+          <a:lstStyle/>
+          <a:p>
+            <a:r>
+              <a:rPr lang="en-US" sz="1200" i="1" dirty="0" smtClean="0"/>
+              <a:t>(Images may change)</a:t>
+            </a:r>
+            <a:endParaRPr lang="en-US" sz="1200" i="1" dirty="0"/>
           </a:p>
         </p:txBody>
       </p:sp>
